--- a/background.pptx
+++ b/background.pptx
@@ -104,6 +104,11 @@
       </a:defRPr>
     </a:lvl9pPr>
   </p:defaultTextStyle>
+  <p:extLst>
+    <p:ext uri="{EFAFB233-063F-42B5-8137-9DF3F51BA10A}">
+      <p15:sldGuideLst xmlns:p15="http://schemas.microsoft.com/office/powerpoint/2012/main"/>
+    </p:ext>
+  </p:extLst>
 </p:presentation>
 </file>
 
@@ -3356,8 +3361,8 @@
         </p:nvSpPr>
         <p:spPr>
           <a:xfrm>
-            <a:off x="0" y="951424"/>
-            <a:ext cx="12192000" cy="528260"/>
+            <a:off x="0" y="396455"/>
+            <a:ext cx="12192000" cy="956224"/>
           </a:xfrm>
           <a:prstGeom prst="rect">
             <a:avLst/>
@@ -3393,14 +3398,14 @@
           <a:p>
             <a:pPr algn="ctr"/>
             <a:r>
-              <a:rPr lang="he-IL" sz="3600" b="1" dirty="0">
+              <a:rPr lang="he-IL" sz="6000" b="1" dirty="0">
                 <a:latin typeface="Calibri" panose="020F0502020204030204" pitchFamily="34" charset="0"/>
                 <a:ea typeface="Calibri" panose="020F0502020204030204" pitchFamily="34" charset="0"/>
                 <a:cs typeface="Calibri" panose="020F0502020204030204" pitchFamily="34" charset="0"/>
               </a:rPr>
               <a:t>טל - טק</a:t>
             </a:r>
-            <a:endParaRPr lang="LID4096" sz="3600" b="1" dirty="0">
+            <a:endParaRPr lang="LID4096" sz="6000" b="1" dirty="0">
               <a:latin typeface="Calibri" panose="020F0502020204030204" pitchFamily="34" charset="0"/>
               <a:ea typeface="Calibri" panose="020F0502020204030204" pitchFamily="34" charset="0"/>
               <a:cs typeface="Calibri" panose="020F0502020204030204" pitchFamily="34" charset="0"/>
@@ -3826,10 +3831,10 @@
       </p:grpSp>
       <p:sp>
         <p:nvSpPr>
-          <p:cNvPr id="16" name="Rectangle 15">
-            <a:extLst>
-              <a:ext uri="{FF2B5EF4-FFF2-40B4-BE49-F238E27FC236}">
-                <a16:creationId xmlns:a16="http://schemas.microsoft.com/office/drawing/2014/main" id="{8C704C5E-4C1C-3F91-6752-3934650ABEAC}"/>
+          <p:cNvPr id="2" name="Rectangle 1">
+            <a:extLst>
+              <a:ext uri="{FF2B5EF4-FFF2-40B4-BE49-F238E27FC236}">
+                <a16:creationId xmlns:a16="http://schemas.microsoft.com/office/drawing/2014/main" id="{BB772C57-B6C4-5F56-4103-63F90936784A}"/>
               </a:ext>
             </a:extLst>
           </p:cNvPr>
@@ -3838,8 +3843,8 @@
         </p:nvSpPr>
         <p:spPr>
           <a:xfrm>
-            <a:off x="0" y="5286110"/>
-            <a:ext cx="12192000" cy="528260"/>
+            <a:off x="0" y="5495243"/>
+            <a:ext cx="12192000" cy="956224"/>
           </a:xfrm>
           <a:prstGeom prst="rect">
             <a:avLst/>
@@ -3874,15 +3879,7 @@
           <a:lstStyle/>
           <a:p>
             <a:pPr algn="ctr"/>
-            <a:r>
-              <a:rPr lang="he-IL" sz="2800" b="1" dirty="0">
-                <a:latin typeface="Calibri" panose="020F0502020204030204" pitchFamily="34" charset="0"/>
-                <a:ea typeface="Calibri" panose="020F0502020204030204" pitchFamily="34" charset="0"/>
-                <a:cs typeface="Calibri" panose="020F0502020204030204" pitchFamily="34" charset="0"/>
-              </a:rPr>
-              <a:t>בלמ"ס</a:t>
-            </a:r>
-            <a:endParaRPr lang="LID4096" sz="2800" b="1" dirty="0">
+            <a:endParaRPr lang="LID4096" sz="6000" b="1" dirty="0">
               <a:latin typeface="Calibri" panose="020F0502020204030204" pitchFamily="34" charset="0"/>
               <a:ea typeface="Calibri" panose="020F0502020204030204" pitchFamily="34" charset="0"/>
               <a:cs typeface="Calibri" panose="020F0502020204030204" pitchFamily="34" charset="0"/>

--- a/background.pptx
+++ b/background.pptx
@@ -3349,10 +3349,10 @@
       </p:grpSpPr>
       <p:sp>
         <p:nvSpPr>
-          <p:cNvPr id="9" name="Rectangle 8">
-            <a:extLst>
-              <a:ext uri="{FF2B5EF4-FFF2-40B4-BE49-F238E27FC236}">
-                <a16:creationId xmlns:a16="http://schemas.microsoft.com/office/drawing/2014/main" id="{792587AF-D2D2-C9F9-C62E-4FCCFAFB7D22}"/>
+          <p:cNvPr id="23" name="Rectangle 22">
+            <a:extLst>
+              <a:ext uri="{FF2B5EF4-FFF2-40B4-BE49-F238E27FC236}">
+                <a16:creationId xmlns:a16="http://schemas.microsoft.com/office/drawing/2014/main" id="{84679CC2-4F2E-3248-0836-3A32EE470745}"/>
               </a:ext>
             </a:extLst>
           </p:cNvPr>
@@ -3361,16 +3361,16 @@
         </p:nvSpPr>
         <p:spPr>
           <a:xfrm>
-            <a:off x="0" y="396455"/>
-            <a:ext cx="12192000" cy="956224"/>
+            <a:off x="-1" y="-594"/>
+            <a:ext cx="12191999" cy="6858594"/>
           </a:xfrm>
           <a:prstGeom prst="rect">
             <a:avLst/>
           </a:prstGeom>
           <a:solidFill>
-            <a:srgbClr val="8E5D86">
-              <a:alpha val="50196"/>
-            </a:srgbClr>
+            <a:schemeClr val="bg1">
+              <a:lumMod val="95000"/>
+            </a:schemeClr>
           </a:solidFill>
           <a:ln>
             <a:noFill/>
@@ -3397,6 +3397,58 @@
           <a:lstStyle/>
           <a:p>
             <a:pPr algn="ctr"/>
+            <a:endParaRPr lang="LID4096"/>
+          </a:p>
+        </p:txBody>
+      </p:sp>
+      <p:sp>
+        <p:nvSpPr>
+          <p:cNvPr id="9" name="Rectangle 8">
+            <a:extLst>
+              <a:ext uri="{FF2B5EF4-FFF2-40B4-BE49-F238E27FC236}">
+                <a16:creationId xmlns:a16="http://schemas.microsoft.com/office/drawing/2014/main" id="{792587AF-D2D2-C9F9-C62E-4FCCFAFB7D22}"/>
+              </a:ext>
+            </a:extLst>
+          </p:cNvPr>
+          <p:cNvSpPr/>
+          <p:nvPr/>
+        </p:nvSpPr>
+        <p:spPr>
+          <a:xfrm>
+            <a:off x="0" y="396455"/>
+            <a:ext cx="12192000" cy="956224"/>
+          </a:xfrm>
+          <a:prstGeom prst="rect">
+            <a:avLst/>
+          </a:prstGeom>
+          <a:solidFill>
+            <a:srgbClr val="8E5D86"/>
+          </a:solidFill>
+          <a:ln>
+            <a:noFill/>
+          </a:ln>
+        </p:spPr>
+        <p:style>
+          <a:lnRef idx="2">
+            <a:schemeClr val="accent1">
+              <a:shade val="15000"/>
+            </a:schemeClr>
+          </a:lnRef>
+          <a:fillRef idx="1">
+            <a:schemeClr val="accent1"/>
+          </a:fillRef>
+          <a:effectRef idx="0">
+            <a:schemeClr val="accent1"/>
+          </a:effectRef>
+          <a:fontRef idx="minor">
+            <a:schemeClr val="lt1"/>
+          </a:fontRef>
+        </p:style>
+        <p:txBody>
+          <a:bodyPr rtlCol="0" anchor="ctr"/>
+          <a:lstStyle/>
+          <a:p>
+            <a:pPr algn="ctr"/>
             <a:r>
               <a:rPr lang="he-IL" sz="6000" b="1" dirty="0">
                 <a:latin typeface="Calibri" panose="020F0502020204030204" pitchFamily="34" charset="0"/>
@@ -3413,6 +3465,60 @@
           </a:p>
         </p:txBody>
       </p:sp>
+      <p:sp>
+        <p:nvSpPr>
+          <p:cNvPr id="3" name="Oval 2">
+            <a:extLst>
+              <a:ext uri="{FF2B5EF4-FFF2-40B4-BE49-F238E27FC236}">
+                <a16:creationId xmlns:a16="http://schemas.microsoft.com/office/drawing/2014/main" id="{744E2658-55DF-DEB1-8113-9A20EDF33EFA}"/>
+              </a:ext>
+            </a:extLst>
+          </p:cNvPr>
+          <p:cNvSpPr/>
+          <p:nvPr/>
+        </p:nvSpPr>
+        <p:spPr>
+          <a:xfrm>
+            <a:off x="51955" y="70323"/>
+            <a:ext cx="1683326" cy="1616527"/>
+          </a:xfrm>
+          <a:prstGeom prst="ellipse">
+            <a:avLst/>
+          </a:prstGeom>
+          <a:solidFill>
+            <a:schemeClr val="bg1">
+              <a:lumMod val="95000"/>
+            </a:schemeClr>
+          </a:solidFill>
+          <a:ln>
+            <a:noFill/>
+          </a:ln>
+        </p:spPr>
+        <p:style>
+          <a:lnRef idx="2">
+            <a:schemeClr val="accent1">
+              <a:shade val="15000"/>
+            </a:schemeClr>
+          </a:lnRef>
+          <a:fillRef idx="1">
+            <a:schemeClr val="accent1"/>
+          </a:fillRef>
+          <a:effectRef idx="0">
+            <a:schemeClr val="accent1"/>
+          </a:effectRef>
+          <a:fontRef idx="minor">
+            <a:schemeClr val="lt1"/>
+          </a:fontRef>
+        </p:style>
+        <p:txBody>
+          <a:bodyPr rtlCol="0" anchor="ctr"/>
+          <a:lstStyle/>
+          <a:p>
+            <a:pPr algn="ctr"/>
+            <a:endParaRPr lang="LID4096"/>
+          </a:p>
+        </p:txBody>
+      </p:sp>
       <p:grpSp>
         <p:nvGrpSpPr>
           <p:cNvPr id="10" name="Group 9">
@@ -3427,8 +3533,8 @@
         </p:nvGrpSpPr>
         <p:grpSpPr>
           <a:xfrm>
-            <a:off x="0" y="0"/>
-            <a:ext cx="2133840" cy="2523434"/>
+            <a:off x="83128" y="-103910"/>
+            <a:ext cx="1683326" cy="1990665"/>
             <a:chOff x="2777065" y="-435013"/>
             <a:chExt cx="6807201" cy="8050051"/>
           </a:xfrm>
@@ -3621,12 +3727,68 @@
           </p:txBody>
         </p:sp>
       </p:grpSp>
+      <p:sp>
+        <p:nvSpPr>
+          <p:cNvPr id="2" name="Rectangle 1">
+            <a:extLst>
+              <a:ext uri="{FF2B5EF4-FFF2-40B4-BE49-F238E27FC236}">
+                <a16:creationId xmlns:a16="http://schemas.microsoft.com/office/drawing/2014/main" id="{BB772C57-B6C4-5F56-4103-63F90936784A}"/>
+              </a:ext>
+            </a:extLst>
+          </p:cNvPr>
+          <p:cNvSpPr/>
+          <p:nvPr/>
+        </p:nvSpPr>
+        <p:spPr>
+          <a:xfrm>
+            <a:off x="0" y="5495243"/>
+            <a:ext cx="12192000" cy="956224"/>
+          </a:xfrm>
+          <a:prstGeom prst="rect">
+            <a:avLst/>
+          </a:prstGeom>
+          <a:solidFill>
+            <a:srgbClr val="8E5D86"/>
+          </a:solidFill>
+          <a:ln>
+            <a:noFill/>
+          </a:ln>
+        </p:spPr>
+        <p:style>
+          <a:lnRef idx="2">
+            <a:schemeClr val="accent1">
+              <a:shade val="15000"/>
+            </a:schemeClr>
+          </a:lnRef>
+          <a:fillRef idx="1">
+            <a:schemeClr val="accent1"/>
+          </a:fillRef>
+          <a:effectRef idx="0">
+            <a:schemeClr val="accent1"/>
+          </a:effectRef>
+          <a:fontRef idx="minor">
+            <a:schemeClr val="lt1"/>
+          </a:fontRef>
+        </p:style>
+        <p:txBody>
+          <a:bodyPr rtlCol="0" anchor="ctr"/>
+          <a:lstStyle/>
+          <a:p>
+            <a:pPr algn="ctr"/>
+            <a:endParaRPr lang="LID4096" sz="6000" b="1" dirty="0">
+              <a:latin typeface="Calibri" panose="020F0502020204030204" pitchFamily="34" charset="0"/>
+              <a:ea typeface="Calibri" panose="020F0502020204030204" pitchFamily="34" charset="0"/>
+              <a:cs typeface="Calibri" panose="020F0502020204030204" pitchFamily="34" charset="0"/>
+            </a:endParaRPr>
+          </a:p>
+        </p:txBody>
+      </p:sp>
       <p:grpSp>
         <p:nvGrpSpPr>
-          <p:cNvPr id="4" name="Group 3">
-            <a:extLst>
-              <a:ext uri="{FF2B5EF4-FFF2-40B4-BE49-F238E27FC236}">
-                <a16:creationId xmlns:a16="http://schemas.microsoft.com/office/drawing/2014/main" id="{FB8F7969-61B5-A3BD-5889-D230F4E3370F}"/>
+          <p:cNvPr id="22" name="Group 21">
+            <a:extLst>
+              <a:ext uri="{FF2B5EF4-FFF2-40B4-BE49-F238E27FC236}">
+                <a16:creationId xmlns:a16="http://schemas.microsoft.com/office/drawing/2014/main" id="{EEF36473-A832-6297-BBA7-A2C3F9351320}"/>
               </a:ext>
             </a:extLst>
           </p:cNvPr>
@@ -3635,147 +3797,18 @@
         </p:nvGrpSpPr>
         <p:grpSpPr>
           <a:xfrm>
-            <a:off x="10058160" y="4334566"/>
-            <a:ext cx="2133840" cy="2523434"/>
-            <a:chOff x="2777065" y="-435013"/>
-            <a:chExt cx="6807201" cy="8050051"/>
+            <a:off x="10477501" y="4978022"/>
+            <a:ext cx="1714499" cy="1990665"/>
+            <a:chOff x="3186546" y="1930768"/>
+            <a:chExt cx="1714499" cy="1990665"/>
           </a:xfrm>
         </p:grpSpPr>
-        <p:grpSp>
-          <p:nvGrpSpPr>
-            <p:cNvPr id="5" name="Group 4">
+        <p:sp>
+          <p:nvSpPr>
+            <p:cNvPr id="15" name="Oval 14">
               <a:extLst>
                 <a:ext uri="{FF2B5EF4-FFF2-40B4-BE49-F238E27FC236}">
-                  <a16:creationId xmlns:a16="http://schemas.microsoft.com/office/drawing/2014/main" id="{2FC24660-BE69-6583-55CD-13B85526BD65}"/>
-                </a:ext>
-              </a:extLst>
-            </p:cNvPr>
-            <p:cNvGrpSpPr/>
-            <p:nvPr/>
-          </p:nvGrpSpPr>
-          <p:grpSpPr>
-            <a:xfrm>
-              <a:off x="2777065" y="-435013"/>
-              <a:ext cx="6807201" cy="8050051"/>
-              <a:chOff x="2692399" y="-451946"/>
-              <a:chExt cx="6807201" cy="8050051"/>
-            </a:xfrm>
-          </p:grpSpPr>
-          <p:pic>
-            <p:nvPicPr>
-              <p:cNvPr id="7" name="Picture 2">
-                <a:extLst>
-                  <a:ext uri="{FF2B5EF4-FFF2-40B4-BE49-F238E27FC236}">
-                    <a16:creationId xmlns:a16="http://schemas.microsoft.com/office/drawing/2014/main" id="{31DCAEE3-5E2E-D802-0A37-FFDAD1549FA8}"/>
-                  </a:ext>
-                </a:extLst>
-              </p:cNvPr>
-              <p:cNvPicPr>
-                <a:picLocks noChangeAspect="1" noChangeArrowheads="1"/>
-              </p:cNvPicPr>
-              <p:nvPr/>
-            </p:nvPicPr>
-            <p:blipFill>
-              <a:blip r:embed="rId2">
-                <a:duotone>
-                  <a:prstClr val="black"/>
-                  <a:schemeClr val="accent5">
-                    <a:tint val="45000"/>
-                    <a:satMod val="400000"/>
-                  </a:schemeClr>
-                </a:duotone>
-                <a:extLst>
-                  <a:ext uri="{28A0092B-C50C-407E-A947-70E740481C1C}">
-                    <a14:useLocalDpi xmlns:a14="http://schemas.microsoft.com/office/drawing/2010/main" val="0"/>
-                  </a:ext>
-                </a:extLst>
-              </a:blip>
-              <a:srcRect/>
-              <a:stretch>
-                <a:fillRect/>
-              </a:stretch>
-            </p:blipFill>
-            <p:spPr bwMode="auto">
-              <a:xfrm>
-                <a:off x="2692399" y="-451946"/>
-                <a:ext cx="6807201" cy="6807201"/>
-              </a:xfrm>
-              <a:prstGeom prst="rect">
-                <a:avLst/>
-              </a:prstGeom>
-              <a:noFill/>
-              <a:extLst>
-                <a:ext uri="{909E8E84-426E-40DD-AFC4-6F175D3DCCD1}">
-                  <a14:hiddenFill xmlns:a14="http://schemas.microsoft.com/office/drawing/2010/main">
-                    <a:solidFill>
-                      <a:srgbClr val="FFFFFF"/>
-                    </a:solidFill>
-                  </a14:hiddenFill>
-                </a:ext>
-              </a:extLst>
-            </p:spPr>
-          </p:pic>
-          <p:pic>
-            <p:nvPicPr>
-              <p:cNvPr id="8" name="Picture 2">
-                <a:extLst>
-                  <a:ext uri="{FF2B5EF4-FFF2-40B4-BE49-F238E27FC236}">
-                    <a16:creationId xmlns:a16="http://schemas.microsoft.com/office/drawing/2014/main" id="{48D86637-F18A-3658-AC04-B2F46FEC466F}"/>
-                  </a:ext>
-                </a:extLst>
-              </p:cNvPr>
-              <p:cNvPicPr>
-                <a:picLocks noChangeAspect="1" noChangeArrowheads="1"/>
-              </p:cNvPicPr>
-              <p:nvPr/>
-            </p:nvPicPr>
-            <p:blipFill rotWithShape="1">
-              <a:blip r:embed="rId2">
-                <a:duotone>
-                  <a:prstClr val="black"/>
-                  <a:schemeClr val="accent5">
-                    <a:tint val="45000"/>
-                    <a:satMod val="400000"/>
-                  </a:schemeClr>
-                </a:duotone>
-                <a:extLst>
-                  <a:ext uri="{28A0092B-C50C-407E-A947-70E740481C1C}">
-                    <a14:useLocalDpi xmlns:a14="http://schemas.microsoft.com/office/drawing/2010/main" val="0"/>
-                  </a:ext>
-                </a:extLst>
-              </a:blip>
-              <a:srcRect t="62957" r="51089"/>
-              <a:stretch>
-                <a:fillRect/>
-              </a:stretch>
-            </p:blipFill>
-            <p:spPr bwMode="auto">
-              <a:xfrm>
-                <a:off x="3412067" y="5076498"/>
-                <a:ext cx="3329444" cy="2521607"/>
-              </a:xfrm>
-              <a:prstGeom prst="rect">
-                <a:avLst/>
-              </a:prstGeom>
-              <a:noFill/>
-              <a:extLst>
-                <a:ext uri="{909E8E84-426E-40DD-AFC4-6F175D3DCCD1}">
-                  <a14:hiddenFill xmlns:a14="http://schemas.microsoft.com/office/drawing/2010/main">
-                    <a:solidFill>
-                      <a:srgbClr val="FFFFFF"/>
-                    </a:solidFill>
-                  </a14:hiddenFill>
-                </a:ext>
-              </a:extLst>
-            </p:spPr>
-          </p:pic>
-        </p:grpSp>
-        <p:sp>
-          <p:nvSpPr>
-            <p:cNvPr id="6" name="Star: 4 Points 5">
-              <a:extLst>
-                <a:ext uri="{FF2B5EF4-FFF2-40B4-BE49-F238E27FC236}">
-                  <a16:creationId xmlns:a16="http://schemas.microsoft.com/office/drawing/2014/main" id="{04918C77-D0AA-A0CC-7FC5-7C3315867101}"/>
+                  <a16:creationId xmlns:a16="http://schemas.microsoft.com/office/drawing/2014/main" id="{8B8E5049-8F9D-EAE2-0066-7E3716919EA6}"/>
                 </a:ext>
               </a:extLst>
             </p:cNvPr>
@@ -3783,14 +3816,12 @@
             <p:nvPr/>
           </p:nvSpPr>
           <p:spPr>
-            <a:xfrm rot="16674333">
-              <a:off x="5548614" y="5555487"/>
-              <a:ext cx="343467" cy="386001"/>
+            <a:xfrm>
+              <a:off x="3186546" y="2105001"/>
+              <a:ext cx="1683326" cy="1616527"/>
             </a:xfrm>
-            <a:prstGeom prst="star4">
-              <a:avLst>
-                <a:gd name="adj" fmla="val 21867"/>
-              </a:avLst>
+            <a:prstGeom prst="ellipse">
+              <a:avLst/>
             </a:prstGeom>
             <a:solidFill>
               <a:schemeClr val="bg1">
@@ -3798,9 +3829,7 @@
               </a:schemeClr>
             </a:solidFill>
             <a:ln>
-              <a:solidFill>
-                <a:schemeClr val="bg1"/>
-              </a:solidFill>
+              <a:noFill/>
             </a:ln>
           </p:spPr>
           <p:style>
@@ -3828,65 +3857,215 @@
             </a:p>
           </p:txBody>
         </p:sp>
+        <p:grpSp>
+          <p:nvGrpSpPr>
+            <p:cNvPr id="17" name="Group 16">
+              <a:extLst>
+                <a:ext uri="{FF2B5EF4-FFF2-40B4-BE49-F238E27FC236}">
+                  <a16:creationId xmlns:a16="http://schemas.microsoft.com/office/drawing/2014/main" id="{C5B6F5A8-8AAA-B478-8095-F31C6C1A537A}"/>
+                </a:ext>
+              </a:extLst>
+            </p:cNvPr>
+            <p:cNvGrpSpPr/>
+            <p:nvPr/>
+          </p:nvGrpSpPr>
+          <p:grpSpPr>
+            <a:xfrm>
+              <a:off x="3217719" y="1930768"/>
+              <a:ext cx="1683326" cy="1990665"/>
+              <a:chOff x="2777065" y="-435013"/>
+              <a:chExt cx="6807201" cy="8050051"/>
+            </a:xfrm>
+          </p:grpSpPr>
+          <p:grpSp>
+            <p:nvGrpSpPr>
+              <p:cNvPr id="18" name="Group 17">
+                <a:extLst>
+                  <a:ext uri="{FF2B5EF4-FFF2-40B4-BE49-F238E27FC236}">
+                    <a16:creationId xmlns:a16="http://schemas.microsoft.com/office/drawing/2014/main" id="{A419F192-3A0C-B1F7-F2F0-10324F054A3E}"/>
+                  </a:ext>
+                </a:extLst>
+              </p:cNvPr>
+              <p:cNvGrpSpPr/>
+              <p:nvPr/>
+            </p:nvGrpSpPr>
+            <p:grpSpPr>
+              <a:xfrm>
+                <a:off x="2777065" y="-435013"/>
+                <a:ext cx="6807201" cy="8050051"/>
+                <a:chOff x="2692399" y="-451946"/>
+                <a:chExt cx="6807201" cy="8050051"/>
+              </a:xfrm>
+            </p:grpSpPr>
+            <p:pic>
+              <p:nvPicPr>
+                <p:cNvPr id="20" name="Picture 2">
+                  <a:extLst>
+                    <a:ext uri="{FF2B5EF4-FFF2-40B4-BE49-F238E27FC236}">
+                      <a16:creationId xmlns:a16="http://schemas.microsoft.com/office/drawing/2014/main" id="{17F26DE7-70F0-EA0E-97B3-E1B82A2A2369}"/>
+                    </a:ext>
+                  </a:extLst>
+                </p:cNvPr>
+                <p:cNvPicPr>
+                  <a:picLocks noChangeAspect="1" noChangeArrowheads="1"/>
+                </p:cNvPicPr>
+                <p:nvPr/>
+              </p:nvPicPr>
+              <p:blipFill>
+                <a:blip r:embed="rId2">
+                  <a:duotone>
+                    <a:prstClr val="black"/>
+                    <a:schemeClr val="accent5">
+                      <a:tint val="45000"/>
+                      <a:satMod val="400000"/>
+                    </a:schemeClr>
+                  </a:duotone>
+                  <a:extLst>
+                    <a:ext uri="{28A0092B-C50C-407E-A947-70E740481C1C}">
+                      <a14:useLocalDpi xmlns:a14="http://schemas.microsoft.com/office/drawing/2010/main" val="0"/>
+                    </a:ext>
+                  </a:extLst>
+                </a:blip>
+                <a:srcRect/>
+                <a:stretch>
+                  <a:fillRect/>
+                </a:stretch>
+              </p:blipFill>
+              <p:spPr bwMode="auto">
+                <a:xfrm>
+                  <a:off x="2692399" y="-451946"/>
+                  <a:ext cx="6807201" cy="6807201"/>
+                </a:xfrm>
+                <a:prstGeom prst="rect">
+                  <a:avLst/>
+                </a:prstGeom>
+                <a:noFill/>
+                <a:extLst>
+                  <a:ext uri="{909E8E84-426E-40DD-AFC4-6F175D3DCCD1}">
+                    <a14:hiddenFill xmlns:a14="http://schemas.microsoft.com/office/drawing/2010/main">
+                      <a:solidFill>
+                        <a:srgbClr val="FFFFFF"/>
+                      </a:solidFill>
+                    </a14:hiddenFill>
+                  </a:ext>
+                </a:extLst>
+              </p:spPr>
+            </p:pic>
+            <p:pic>
+              <p:nvPicPr>
+                <p:cNvPr id="21" name="Picture 2">
+                  <a:extLst>
+                    <a:ext uri="{FF2B5EF4-FFF2-40B4-BE49-F238E27FC236}">
+                      <a16:creationId xmlns:a16="http://schemas.microsoft.com/office/drawing/2014/main" id="{F00A5DCA-359B-E465-AF00-C793DC9C8032}"/>
+                    </a:ext>
+                  </a:extLst>
+                </p:cNvPr>
+                <p:cNvPicPr>
+                  <a:picLocks noChangeAspect="1" noChangeArrowheads="1"/>
+                </p:cNvPicPr>
+                <p:nvPr/>
+              </p:nvPicPr>
+              <p:blipFill rotWithShape="1">
+                <a:blip r:embed="rId2">
+                  <a:duotone>
+                    <a:prstClr val="black"/>
+                    <a:schemeClr val="accent5">
+                      <a:tint val="45000"/>
+                      <a:satMod val="400000"/>
+                    </a:schemeClr>
+                  </a:duotone>
+                  <a:extLst>
+                    <a:ext uri="{28A0092B-C50C-407E-A947-70E740481C1C}">
+                      <a14:useLocalDpi xmlns:a14="http://schemas.microsoft.com/office/drawing/2010/main" val="0"/>
+                    </a:ext>
+                  </a:extLst>
+                </a:blip>
+                <a:srcRect t="62957" r="51089"/>
+                <a:stretch>
+                  <a:fillRect/>
+                </a:stretch>
+              </p:blipFill>
+              <p:spPr bwMode="auto">
+                <a:xfrm>
+                  <a:off x="3412067" y="5076498"/>
+                  <a:ext cx="3329444" cy="2521607"/>
+                </a:xfrm>
+                <a:prstGeom prst="rect">
+                  <a:avLst/>
+                </a:prstGeom>
+                <a:noFill/>
+                <a:extLst>
+                  <a:ext uri="{909E8E84-426E-40DD-AFC4-6F175D3DCCD1}">
+                    <a14:hiddenFill xmlns:a14="http://schemas.microsoft.com/office/drawing/2010/main">
+                      <a:solidFill>
+                        <a:srgbClr val="FFFFFF"/>
+                      </a:solidFill>
+                    </a14:hiddenFill>
+                  </a:ext>
+                </a:extLst>
+              </p:spPr>
+            </p:pic>
+          </p:grpSp>
+          <p:sp>
+            <p:nvSpPr>
+              <p:cNvPr id="19" name="Star: 4 Points 18">
+                <a:extLst>
+                  <a:ext uri="{FF2B5EF4-FFF2-40B4-BE49-F238E27FC236}">
+                    <a16:creationId xmlns:a16="http://schemas.microsoft.com/office/drawing/2014/main" id="{E1AA7E11-82A4-091D-F835-46C102B967E4}"/>
+                  </a:ext>
+                </a:extLst>
+              </p:cNvPr>
+              <p:cNvSpPr/>
+              <p:nvPr/>
+            </p:nvSpPr>
+            <p:spPr>
+              <a:xfrm rot="16674333">
+                <a:off x="5548614" y="5555487"/>
+                <a:ext cx="343467" cy="386001"/>
+              </a:xfrm>
+              <a:prstGeom prst="star4">
+                <a:avLst>
+                  <a:gd name="adj" fmla="val 21867"/>
+                </a:avLst>
+              </a:prstGeom>
+              <a:solidFill>
+                <a:schemeClr val="bg1">
+                  <a:lumMod val="95000"/>
+                </a:schemeClr>
+              </a:solidFill>
+              <a:ln>
+                <a:solidFill>
+                  <a:schemeClr val="bg1"/>
+                </a:solidFill>
+              </a:ln>
+            </p:spPr>
+            <p:style>
+              <a:lnRef idx="2">
+                <a:schemeClr val="accent1">
+                  <a:shade val="15000"/>
+                </a:schemeClr>
+              </a:lnRef>
+              <a:fillRef idx="1">
+                <a:schemeClr val="accent1"/>
+              </a:fillRef>
+              <a:effectRef idx="0">
+                <a:schemeClr val="accent1"/>
+              </a:effectRef>
+              <a:fontRef idx="minor">
+                <a:schemeClr val="lt1"/>
+              </a:fontRef>
+            </p:style>
+            <p:txBody>
+              <a:bodyPr rtlCol="0" anchor="ctr"/>
+              <a:lstStyle/>
+              <a:p>
+                <a:pPr algn="ctr"/>
+                <a:endParaRPr lang="LID4096"/>
+              </a:p>
+            </p:txBody>
+          </p:sp>
+        </p:grpSp>
       </p:grpSp>
-      <p:sp>
-        <p:nvSpPr>
-          <p:cNvPr id="2" name="Rectangle 1">
-            <a:extLst>
-              <a:ext uri="{FF2B5EF4-FFF2-40B4-BE49-F238E27FC236}">
-                <a16:creationId xmlns:a16="http://schemas.microsoft.com/office/drawing/2014/main" id="{BB772C57-B6C4-5F56-4103-63F90936784A}"/>
-              </a:ext>
-            </a:extLst>
-          </p:cNvPr>
-          <p:cNvSpPr/>
-          <p:nvPr/>
-        </p:nvSpPr>
-        <p:spPr>
-          <a:xfrm>
-            <a:off x="0" y="5495243"/>
-            <a:ext cx="12192000" cy="956224"/>
-          </a:xfrm>
-          <a:prstGeom prst="rect">
-            <a:avLst/>
-          </a:prstGeom>
-          <a:solidFill>
-            <a:srgbClr val="8E5D86">
-              <a:alpha val="50196"/>
-            </a:srgbClr>
-          </a:solidFill>
-          <a:ln>
-            <a:noFill/>
-          </a:ln>
-        </p:spPr>
-        <p:style>
-          <a:lnRef idx="2">
-            <a:schemeClr val="accent1">
-              <a:shade val="15000"/>
-            </a:schemeClr>
-          </a:lnRef>
-          <a:fillRef idx="1">
-            <a:schemeClr val="accent1"/>
-          </a:fillRef>
-          <a:effectRef idx="0">
-            <a:schemeClr val="accent1"/>
-          </a:effectRef>
-          <a:fontRef idx="minor">
-            <a:schemeClr val="lt1"/>
-          </a:fontRef>
-        </p:style>
-        <p:txBody>
-          <a:bodyPr rtlCol="0" anchor="ctr"/>
-          <a:lstStyle/>
-          <a:p>
-            <a:pPr algn="ctr"/>
-            <a:endParaRPr lang="LID4096" sz="6000" b="1" dirty="0">
-              <a:latin typeface="Calibri" panose="020F0502020204030204" pitchFamily="34" charset="0"/>
-              <a:ea typeface="Calibri" panose="020F0502020204030204" pitchFamily="34" charset="0"/>
-              <a:cs typeface="Calibri" panose="020F0502020204030204" pitchFamily="34" charset="0"/>
-            </a:endParaRPr>
-          </a:p>
-        </p:txBody>
-      </p:sp>
     </p:spTree>
     <p:extLst>
       <p:ext uri="{BB962C8B-B14F-4D97-AF65-F5344CB8AC3E}">
